--- a/A조 발표.pptx
+++ b/A조 발표.pptx
@@ -947,7 +947,7 @@
   <p:cSld>
     <p:spTree>
       <p:nvGrpSpPr>
-        <p:cNvPr id="102" name="Shape 102"/>
+        <p:cNvPr id="103" name="Shape 103"/>
         <p:cNvGrpSpPr/>
         <p:nvPr/>
       </p:nvGrpSpPr>
@@ -961,7 +961,7 @@
       </p:grpSpPr>
       <p:sp>
         <p:nvSpPr>
-          <p:cNvPr id="103" name="Google Shape;103;g375ebed7e06_15_8:notes"/>
+          <p:cNvPr id="104" name="Google Shape;104;g375ebed7e06_15_8:notes"/>
           <p:cNvSpPr txBox="1"/>
           <p:nvPr>
             <p:ph idx="1" type="body"/>
@@ -1008,7 +1008,7 @@
       </p:sp>
       <p:sp>
         <p:nvSpPr>
-          <p:cNvPr id="104" name="Google Shape;104;g375ebed7e06_15_8:notes"/>
+          <p:cNvPr id="105" name="Google Shape;105;g375ebed7e06_15_8:notes"/>
           <p:cNvSpPr/>
           <p:nvPr>
             <p:ph idx="2" type="sldImg"/>
@@ -1064,7 +1064,7 @@
   <p:cSld>
     <p:spTree>
       <p:nvGrpSpPr>
-        <p:cNvPr id="109" name="Shape 109"/>
+        <p:cNvPr id="110" name="Shape 110"/>
         <p:cNvGrpSpPr/>
         <p:nvPr/>
       </p:nvGrpSpPr>
@@ -1078,7 +1078,7 @@
       </p:grpSpPr>
       <p:sp>
         <p:nvSpPr>
-          <p:cNvPr id="110" name="Google Shape;110;g375ebed7e06_1_23:notes"/>
+          <p:cNvPr id="111" name="Google Shape;111;g375ebed7e06_1_23:notes"/>
           <p:cNvSpPr txBox="1"/>
           <p:nvPr>
             <p:ph idx="1" type="body"/>
@@ -1125,7 +1125,7 @@
       </p:sp>
       <p:sp>
         <p:nvSpPr>
-          <p:cNvPr id="111" name="Google Shape;111;g375ebed7e06_1_23:notes"/>
+          <p:cNvPr id="112" name="Google Shape;112;g375ebed7e06_1_23:notes"/>
           <p:cNvSpPr/>
           <p:nvPr>
             <p:ph idx="2" type="sldImg"/>
@@ -1181,7 +1181,7 @@
   <p:cSld>
     <p:spTree>
       <p:nvGrpSpPr>
-        <p:cNvPr id="114" name="Shape 114"/>
+        <p:cNvPr id="115" name="Shape 115"/>
         <p:cNvGrpSpPr/>
         <p:nvPr/>
       </p:nvGrpSpPr>
@@ -1195,7 +1195,7 @@
       </p:grpSpPr>
       <p:sp>
         <p:nvSpPr>
-          <p:cNvPr id="115" name="Google Shape;115;g375ebed7e06_1_48:notes"/>
+          <p:cNvPr id="116" name="Google Shape;116;g375ebed7e06_1_48:notes"/>
           <p:cNvSpPr txBox="1"/>
           <p:nvPr>
             <p:ph idx="1" type="body"/>
@@ -1242,7 +1242,7 @@
       </p:sp>
       <p:sp>
         <p:nvSpPr>
-          <p:cNvPr id="116" name="Google Shape;116;g375ebed7e06_1_48:notes"/>
+          <p:cNvPr id="117" name="Google Shape;117;g375ebed7e06_1_48:notes"/>
           <p:cNvSpPr/>
           <p:nvPr>
             <p:ph idx="2" type="sldImg"/>
@@ -1298,7 +1298,7 @@
   <p:cSld>
     <p:spTree>
       <p:nvGrpSpPr>
-        <p:cNvPr id="131" name="Shape 131"/>
+        <p:cNvPr id="132" name="Shape 132"/>
         <p:cNvGrpSpPr/>
         <p:nvPr/>
       </p:nvGrpSpPr>
@@ -1312,7 +1312,7 @@
       </p:grpSpPr>
       <p:sp>
         <p:nvSpPr>
-          <p:cNvPr id="132" name="Google Shape;132;g375ebed7e06_1_27:notes"/>
+          <p:cNvPr id="133" name="Google Shape;133;g375ebed7e06_1_27:notes"/>
           <p:cNvSpPr txBox="1"/>
           <p:nvPr>
             <p:ph idx="1" type="body"/>
@@ -1359,7 +1359,7 @@
       </p:sp>
       <p:sp>
         <p:nvSpPr>
-          <p:cNvPr id="133" name="Google Shape;133;g375ebed7e06_1_27:notes"/>
+          <p:cNvPr id="134" name="Google Shape;134;g375ebed7e06_1_27:notes"/>
           <p:cNvSpPr/>
           <p:nvPr>
             <p:ph idx="2" type="sldImg"/>
@@ -1415,7 +1415,7 @@
   <p:cSld>
     <p:spTree>
       <p:nvGrpSpPr>
-        <p:cNvPr id="136" name="Shape 136"/>
+        <p:cNvPr id="137" name="Shape 137"/>
         <p:cNvGrpSpPr/>
         <p:nvPr/>
       </p:nvGrpSpPr>
@@ -1429,7 +1429,7 @@
       </p:grpSpPr>
       <p:sp>
         <p:nvSpPr>
-          <p:cNvPr id="137" name="Google Shape;137;g375ebed7e06_1_63:notes"/>
+          <p:cNvPr id="138" name="Google Shape;138;g375ebed7e06_1_63:notes"/>
           <p:cNvSpPr txBox="1"/>
           <p:nvPr>
             <p:ph idx="1" type="body"/>
@@ -1476,7 +1476,7 @@
       </p:sp>
       <p:sp>
         <p:nvSpPr>
-          <p:cNvPr id="138" name="Google Shape;138;g375ebed7e06_1_63:notes"/>
+          <p:cNvPr id="139" name="Google Shape;139;g375ebed7e06_1_63:notes"/>
           <p:cNvSpPr/>
           <p:nvPr>
             <p:ph idx="2" type="sldImg"/>
@@ -1532,7 +1532,7 @@
   <p:cSld>
     <p:spTree>
       <p:nvGrpSpPr>
-        <p:cNvPr id="156" name="Shape 156"/>
+        <p:cNvPr id="157" name="Shape 157"/>
         <p:cNvGrpSpPr/>
         <p:nvPr/>
       </p:nvGrpSpPr>
@@ -1546,7 +1546,7 @@
       </p:grpSpPr>
       <p:sp>
         <p:nvSpPr>
-          <p:cNvPr id="157" name="Google Shape;157;g375ebed7e06_1_31:notes"/>
+          <p:cNvPr id="158" name="Google Shape;158;g375ebed7e06_1_31:notes"/>
           <p:cNvSpPr txBox="1"/>
           <p:nvPr>
             <p:ph idx="1" type="body"/>
@@ -1593,7 +1593,7 @@
       </p:sp>
       <p:sp>
         <p:nvSpPr>
-          <p:cNvPr id="158" name="Google Shape;158;g375ebed7e06_1_31:notes"/>
+          <p:cNvPr id="159" name="Google Shape;159;g375ebed7e06_1_31:notes"/>
           <p:cNvSpPr/>
           <p:nvPr>
             <p:ph idx="2" type="sldImg"/>
@@ -1649,7 +1649,7 @@
   <p:cSld>
     <p:spTree>
       <p:nvGrpSpPr>
-        <p:cNvPr id="161" name="Shape 161"/>
+        <p:cNvPr id="162" name="Shape 162"/>
         <p:cNvGrpSpPr/>
         <p:nvPr/>
       </p:nvGrpSpPr>
@@ -1663,7 +1663,7 @@
       </p:grpSpPr>
       <p:sp>
         <p:nvSpPr>
-          <p:cNvPr id="162" name="Google Shape;162;g375ebed7e06_1_68:notes"/>
+          <p:cNvPr id="163" name="Google Shape;163;g375ebed7e06_1_68:notes"/>
           <p:cNvSpPr txBox="1"/>
           <p:nvPr>
             <p:ph idx="1" type="body"/>
@@ -1710,7 +1710,7 @@
       </p:sp>
       <p:sp>
         <p:nvSpPr>
-          <p:cNvPr id="163" name="Google Shape;163;g375ebed7e06_1_68:notes"/>
+          <p:cNvPr id="164" name="Google Shape;164;g375ebed7e06_1_68:notes"/>
           <p:cNvSpPr/>
           <p:nvPr>
             <p:ph idx="2" type="sldImg"/>
@@ -1766,7 +1766,7 @@
   <p:cSld>
     <p:spTree>
       <p:nvGrpSpPr>
-        <p:cNvPr id="178" name="Shape 178"/>
+        <p:cNvPr id="179" name="Shape 179"/>
         <p:cNvGrpSpPr/>
         <p:nvPr/>
       </p:nvGrpSpPr>
@@ -1780,7 +1780,7 @@
       </p:grpSpPr>
       <p:sp>
         <p:nvSpPr>
-          <p:cNvPr id="179" name="Google Shape;179;g375ebed7e06_1_35:notes"/>
+          <p:cNvPr id="180" name="Google Shape;180;g375ebed7e06_1_35:notes"/>
           <p:cNvSpPr txBox="1"/>
           <p:nvPr>
             <p:ph idx="1" type="body"/>
@@ -1827,7 +1827,7 @@
       </p:sp>
       <p:sp>
         <p:nvSpPr>
-          <p:cNvPr id="180" name="Google Shape;180;g375ebed7e06_1_35:notes"/>
+          <p:cNvPr id="181" name="Google Shape;181;g375ebed7e06_1_35:notes"/>
           <p:cNvSpPr/>
           <p:nvPr>
             <p:ph idx="2" type="sldImg"/>
@@ -1883,7 +1883,7 @@
   <p:cSld>
     <p:spTree>
       <p:nvGrpSpPr>
-        <p:cNvPr id="183" name="Shape 183"/>
+        <p:cNvPr id="184" name="Shape 184"/>
         <p:cNvGrpSpPr/>
         <p:nvPr/>
       </p:nvGrpSpPr>
@@ -1897,7 +1897,7 @@
       </p:grpSpPr>
       <p:sp>
         <p:nvSpPr>
-          <p:cNvPr id="184" name="Google Shape;184;g375ebed7e06_13_12:notes"/>
+          <p:cNvPr id="185" name="Google Shape;185;g375ebed7e06_13_12:notes"/>
           <p:cNvSpPr txBox="1"/>
           <p:nvPr>
             <p:ph idx="1" type="body"/>
@@ -1944,7 +1944,7 @@
       </p:sp>
       <p:sp>
         <p:nvSpPr>
-          <p:cNvPr id="185" name="Google Shape;185;g375ebed7e06_13_12:notes"/>
+          <p:cNvPr id="186" name="Google Shape;186;g375ebed7e06_13_12:notes"/>
           <p:cNvSpPr/>
           <p:nvPr>
             <p:ph idx="2" type="sldImg"/>
@@ -2000,7 +2000,7 @@
   <p:cSld>
     <p:spTree>
       <p:nvGrpSpPr>
-        <p:cNvPr id="196" name="Shape 196"/>
+        <p:cNvPr id="198" name="Shape 198"/>
         <p:cNvGrpSpPr/>
         <p:nvPr/>
       </p:nvGrpSpPr>
@@ -2014,7 +2014,7 @@
       </p:grpSpPr>
       <p:sp>
         <p:nvSpPr>
-          <p:cNvPr id="197" name="Google Shape;197;g375ebed7e06_14_0:notes"/>
+          <p:cNvPr id="199" name="Google Shape;199;g375ebed7e06_14_0:notes"/>
           <p:cNvSpPr txBox="1"/>
           <p:nvPr>
             <p:ph idx="1" type="body"/>
@@ -2061,7 +2061,7 @@
       </p:sp>
       <p:sp>
         <p:nvSpPr>
-          <p:cNvPr id="198" name="Google Shape;198;g375ebed7e06_14_0:notes"/>
+          <p:cNvPr id="200" name="Google Shape;200;g375ebed7e06_14_0:notes"/>
           <p:cNvSpPr/>
           <p:nvPr>
             <p:ph idx="2" type="sldImg"/>
@@ -2117,7 +2117,7 @@
   <p:cSld>
     <p:spTree>
       <p:nvGrpSpPr>
-        <p:cNvPr id="49" name="Shape 49"/>
+        <p:cNvPr id="50" name="Shape 50"/>
         <p:cNvGrpSpPr/>
         <p:nvPr/>
       </p:nvGrpSpPr>
@@ -2131,7 +2131,7 @@
       </p:grpSpPr>
       <p:sp>
         <p:nvSpPr>
-          <p:cNvPr id="50" name="Google Shape;50;g375ebed7e06_1_7:notes"/>
+          <p:cNvPr id="51" name="Google Shape;51;g375ebed7e06_1_7:notes"/>
           <p:cNvSpPr txBox="1"/>
           <p:nvPr>
             <p:ph idx="1" type="body"/>
@@ -2178,7 +2178,7 @@
       </p:sp>
       <p:sp>
         <p:nvSpPr>
-          <p:cNvPr id="51" name="Google Shape;51;g375ebed7e06_1_7:notes"/>
+          <p:cNvPr id="52" name="Google Shape;52;g375ebed7e06_1_7:notes"/>
           <p:cNvSpPr/>
           <p:nvPr>
             <p:ph idx="2" type="sldImg"/>
@@ -2234,7 +2234,7 @@
   <p:cSld>
     <p:spTree>
       <p:nvGrpSpPr>
-        <p:cNvPr id="207" name="Shape 207"/>
+        <p:cNvPr id="209" name="Shape 209"/>
         <p:cNvGrpSpPr/>
         <p:nvPr/>
       </p:nvGrpSpPr>
@@ -2248,7 +2248,7 @@
       </p:grpSpPr>
       <p:sp>
         <p:nvSpPr>
-          <p:cNvPr id="208" name="Google Shape;208;g375ebed7e06_1_39:notes"/>
+          <p:cNvPr id="210" name="Google Shape;210;g375ebed7e06_1_39:notes"/>
           <p:cNvSpPr txBox="1"/>
           <p:nvPr>
             <p:ph idx="1" type="body"/>
@@ -2295,7 +2295,7 @@
       </p:sp>
       <p:sp>
         <p:nvSpPr>
-          <p:cNvPr id="209" name="Google Shape;209;g375ebed7e06_1_39:notes"/>
+          <p:cNvPr id="211" name="Google Shape;211;g375ebed7e06_1_39:notes"/>
           <p:cNvSpPr/>
           <p:nvPr>
             <p:ph idx="2" type="sldImg"/>
@@ -2351,7 +2351,7 @@
   <p:cSld>
     <p:spTree>
       <p:nvGrpSpPr>
-        <p:cNvPr id="212" name="Shape 212"/>
+        <p:cNvPr id="214" name="Shape 214"/>
         <p:cNvGrpSpPr/>
         <p:nvPr/>
       </p:nvGrpSpPr>
@@ -2365,7 +2365,7 @@
       </p:grpSpPr>
       <p:sp>
         <p:nvSpPr>
-          <p:cNvPr id="213" name="Google Shape;213;g375ebed7e06_13_7:notes"/>
+          <p:cNvPr id="215" name="Google Shape;215;g375ebed7e06_13_7:notes"/>
           <p:cNvSpPr txBox="1"/>
           <p:nvPr>
             <p:ph idx="1" type="body"/>
@@ -2412,7 +2412,7 @@
       </p:sp>
       <p:sp>
         <p:nvSpPr>
-          <p:cNvPr id="214" name="Google Shape;214;g375ebed7e06_13_7:notes"/>
+          <p:cNvPr id="216" name="Google Shape;216;g375ebed7e06_13_7:notes"/>
           <p:cNvSpPr/>
           <p:nvPr>
             <p:ph idx="2" type="sldImg"/>
@@ -2468,7 +2468,7 @@
   <p:cSld>
     <p:spTree>
       <p:nvGrpSpPr>
-        <p:cNvPr id="54" name="Shape 54"/>
+        <p:cNvPr id="55" name="Shape 55"/>
         <p:cNvGrpSpPr/>
         <p:nvPr/>
       </p:nvGrpSpPr>
@@ -2482,7 +2482,7 @@
       </p:grpSpPr>
       <p:sp>
         <p:nvSpPr>
-          <p:cNvPr id="55" name="Google Shape;55;g375ebed7e06_9_17:notes"/>
+          <p:cNvPr id="56" name="Google Shape;56;g375ebed7e06_9_17:notes"/>
           <p:cNvSpPr txBox="1"/>
           <p:nvPr>
             <p:ph idx="1" type="body"/>
@@ -2529,7 +2529,7 @@
       </p:sp>
       <p:sp>
         <p:nvSpPr>
-          <p:cNvPr id="56" name="Google Shape;56;g375ebed7e06_9_17:notes"/>
+          <p:cNvPr id="57" name="Google Shape;57;g375ebed7e06_9_17:notes"/>
           <p:cNvSpPr/>
           <p:nvPr>
             <p:ph idx="2" type="sldImg"/>
@@ -2585,7 +2585,7 @@
   <p:cSld>
     <p:spTree>
       <p:nvGrpSpPr>
-        <p:cNvPr id="61" name="Shape 61"/>
+        <p:cNvPr id="62" name="Shape 62"/>
         <p:cNvGrpSpPr/>
         <p:nvPr/>
       </p:nvGrpSpPr>
@@ -2599,7 +2599,7 @@
       </p:grpSpPr>
       <p:sp>
         <p:nvSpPr>
-          <p:cNvPr id="62" name="Google Shape;62;g375ebed7e06_1_11:notes"/>
+          <p:cNvPr id="63" name="Google Shape;63;g375ebed7e06_1_11:notes"/>
           <p:cNvSpPr txBox="1"/>
           <p:nvPr>
             <p:ph idx="1" type="body"/>
@@ -2646,7 +2646,7 @@
       </p:sp>
       <p:sp>
         <p:nvSpPr>
-          <p:cNvPr id="63" name="Google Shape;63;g375ebed7e06_1_11:notes"/>
+          <p:cNvPr id="64" name="Google Shape;64;g375ebed7e06_1_11:notes"/>
           <p:cNvSpPr/>
           <p:nvPr>
             <p:ph idx="2" type="sldImg"/>
@@ -2702,7 +2702,7 @@
   <p:cSld>
     <p:spTree>
       <p:nvGrpSpPr>
-        <p:cNvPr id="68" name="Shape 68"/>
+        <p:cNvPr id="69" name="Shape 69"/>
         <p:cNvGrpSpPr/>
         <p:nvPr/>
       </p:nvGrpSpPr>
@@ -2716,7 +2716,7 @@
       </p:grpSpPr>
       <p:sp>
         <p:nvSpPr>
-          <p:cNvPr id="69" name="Google Shape;69;g375ebed7e06_1_19:notes"/>
+          <p:cNvPr id="70" name="Google Shape;70;g375ebed7e06_1_19:notes"/>
           <p:cNvSpPr txBox="1"/>
           <p:nvPr>
             <p:ph idx="1" type="body"/>
@@ -2763,7 +2763,7 @@
       </p:sp>
       <p:sp>
         <p:nvSpPr>
-          <p:cNvPr id="70" name="Google Shape;70;g375ebed7e06_1_19:notes"/>
+          <p:cNvPr id="71" name="Google Shape;71;g375ebed7e06_1_19:notes"/>
           <p:cNvSpPr/>
           <p:nvPr>
             <p:ph idx="2" type="sldImg"/>
@@ -2819,7 +2819,7 @@
   <p:cSld>
     <p:spTree>
       <p:nvGrpSpPr>
-        <p:cNvPr id="73" name="Shape 73"/>
+        <p:cNvPr id="74" name="Shape 74"/>
         <p:cNvGrpSpPr/>
         <p:nvPr/>
       </p:nvGrpSpPr>
@@ -2833,7 +2833,7 @@
       </p:grpSpPr>
       <p:sp>
         <p:nvSpPr>
-          <p:cNvPr id="74" name="Google Shape;74;g375ebed7e06_1_43:notes"/>
+          <p:cNvPr id="75" name="Google Shape;75;g375ebed7e06_1_43:notes"/>
           <p:cNvSpPr txBox="1"/>
           <p:nvPr>
             <p:ph idx="1" type="body"/>
@@ -2880,7 +2880,7 @@
       </p:sp>
       <p:sp>
         <p:nvSpPr>
-          <p:cNvPr id="75" name="Google Shape;75;g375ebed7e06_1_43:notes"/>
+          <p:cNvPr id="76" name="Google Shape;76;g375ebed7e06_1_43:notes"/>
           <p:cNvSpPr/>
           <p:nvPr>
             <p:ph idx="2" type="sldImg"/>
@@ -2936,7 +2936,7 @@
   <p:cSld>
     <p:spTree>
       <p:nvGrpSpPr>
-        <p:cNvPr id="80" name="Shape 80"/>
+        <p:cNvPr id="81" name="Shape 81"/>
         <p:cNvGrpSpPr/>
         <p:nvPr/>
       </p:nvGrpSpPr>
@@ -2950,7 +2950,7 @@
       </p:grpSpPr>
       <p:sp>
         <p:nvSpPr>
-          <p:cNvPr id="81" name="Google Shape;81;g375ebed7e06_13_1:notes"/>
+          <p:cNvPr id="82" name="Google Shape;82;g375ebed7e06_13_1:notes"/>
           <p:cNvSpPr txBox="1"/>
           <p:nvPr>
             <p:ph idx="1" type="body"/>
@@ -2997,7 +2997,7 @@
       </p:sp>
       <p:sp>
         <p:nvSpPr>
-          <p:cNvPr id="82" name="Google Shape;82;g375ebed7e06_13_1:notes"/>
+          <p:cNvPr id="83" name="Google Shape;83;g375ebed7e06_13_1:notes"/>
           <p:cNvSpPr/>
           <p:nvPr>
             <p:ph idx="2" type="sldImg"/>
@@ -3053,7 +3053,7 @@
   <p:cSld>
     <p:spTree>
       <p:nvGrpSpPr>
-        <p:cNvPr id="88" name="Shape 88"/>
+        <p:cNvPr id="89" name="Shape 89"/>
         <p:cNvGrpSpPr/>
         <p:nvPr/>
       </p:nvGrpSpPr>
@@ -3067,7 +3067,7 @@
       </p:grpSpPr>
       <p:sp>
         <p:nvSpPr>
-          <p:cNvPr id="89" name="Google Shape;89;g375ebed7e06_15_0:notes"/>
+          <p:cNvPr id="90" name="Google Shape;90;g375ebed7e06_15_0:notes"/>
           <p:cNvSpPr txBox="1"/>
           <p:nvPr>
             <p:ph idx="1" type="body"/>
@@ -3114,7 +3114,7 @@
       </p:sp>
       <p:sp>
         <p:nvSpPr>
-          <p:cNvPr id="90" name="Google Shape;90;g375ebed7e06_15_0:notes"/>
+          <p:cNvPr id="91" name="Google Shape;91;g375ebed7e06_15_0:notes"/>
           <p:cNvSpPr/>
           <p:nvPr>
             <p:ph idx="2" type="sldImg"/>
@@ -3170,7 +3170,7 @@
   <p:cSld>
     <p:spTree>
       <p:nvGrpSpPr>
-        <p:cNvPr id="95" name="Shape 95"/>
+        <p:cNvPr id="96" name="Shape 96"/>
         <p:cNvGrpSpPr/>
         <p:nvPr/>
       </p:nvGrpSpPr>
@@ -3184,7 +3184,7 @@
       </p:grpSpPr>
       <p:sp>
         <p:nvSpPr>
-          <p:cNvPr id="96" name="Google Shape;96;g375ebed7e06_15_4:notes"/>
+          <p:cNvPr id="97" name="Google Shape;97;g375ebed7e06_15_4:notes"/>
           <p:cNvSpPr txBox="1"/>
           <p:nvPr>
             <p:ph idx="1" type="body"/>
@@ -3231,7 +3231,7 @@
       </p:sp>
       <p:sp>
         <p:nvSpPr>
-          <p:cNvPr id="97" name="Google Shape;97;g375ebed7e06_15_4:notes"/>
+          <p:cNvPr id="98" name="Google Shape;98;g375ebed7e06_15_4:notes"/>
           <p:cNvSpPr/>
           <p:nvPr>
             <p:ph idx="2" type="sldImg"/>
@@ -7804,6 +7804,53 @@
           </a:p>
         </p:txBody>
       </p:sp>
+      <p:sp>
+        <p:nvSpPr>
+          <p:cNvPr id="49" name="Google Shape;49;p6"/>
+          <p:cNvSpPr txBox="1"/>
+          <p:nvPr/>
+        </p:nvSpPr>
+        <p:spPr>
+          <a:xfrm>
+            <a:off x="9586600" y="6259725"/>
+            <a:ext cx="2279100" cy="354000"/>
+          </a:xfrm>
+          <a:prstGeom prst="rect">
+            <a:avLst/>
+          </a:prstGeom>
+          <a:noFill/>
+          <a:ln>
+            <a:noFill/>
+          </a:ln>
+        </p:spPr>
+        <p:txBody>
+          <a:bodyPr anchorCtr="0" anchor="t" bIns="91425" lIns="91425" spcFirstLastPara="1" rIns="91425" wrap="square" tIns="91425">
+            <a:spAutoFit/>
+          </a:bodyPr>
+          <a:lstStyle/>
+          <a:p>
+            <a:pPr indent="0" lvl="0" marL="0" rtl="0" algn="l">
+              <a:spcBef>
+                <a:spcPts val="0"/>
+              </a:spcBef>
+              <a:spcAft>
+                <a:spcPts val="0"/>
+              </a:spcAft>
+              <a:buNone/>
+            </a:pPr>
+            <a:r>
+              <a:rPr lang="ko-KR" sz="1100" u="sng">
+                <a:solidFill>
+                  <a:schemeClr val="hlink"/>
+                </a:solidFill>
+                <a:hlinkClick r:id="rId3"/>
+              </a:rPr>
+              <a:t>A조 발표 - Google Slides</a:t>
+            </a:r>
+            <a:endParaRPr/>
+          </a:p>
+        </p:txBody>
+      </p:sp>
     </p:spTree>
   </p:cSld>
   <p:clrMapOvr>
@@ -7817,7 +7864,7 @@
   <p:cSld>
     <p:spTree>
       <p:nvGrpSpPr>
-        <p:cNvPr id="105" name="Shape 105"/>
+        <p:cNvPr id="106" name="Shape 106"/>
         <p:cNvGrpSpPr/>
         <p:nvPr/>
       </p:nvGrpSpPr>
@@ -7831,7 +7878,7 @@
       </p:grpSpPr>
       <p:sp>
         <p:nvSpPr>
-          <p:cNvPr id="106" name="Google Shape;106;p15"/>
+          <p:cNvPr id="107" name="Google Shape;107;p15"/>
           <p:cNvSpPr txBox="1"/>
           <p:nvPr>
             <p:ph type="title"/>
@@ -7883,7 +7930,7 @@
       </p:sp>
       <p:pic>
         <p:nvPicPr>
-          <p:cNvPr id="107" name="Google Shape;107;p15"/>
+          <p:cNvPr id="108" name="Google Shape;108;p15"/>
           <p:cNvPicPr preferRelativeResize="0"/>
           <p:nvPr/>
         </p:nvPicPr>
@@ -7911,7 +7958,7 @@
       </p:pic>
       <p:pic>
         <p:nvPicPr>
-          <p:cNvPr id="108" name="Google Shape;108;p15"/>
+          <p:cNvPr id="109" name="Google Shape;109;p15"/>
           <p:cNvPicPr preferRelativeResize="0"/>
           <p:nvPr/>
         </p:nvPicPr>
@@ -7950,7 +7997,7 @@
   <p:cSld>
     <p:spTree>
       <p:nvGrpSpPr>
-        <p:cNvPr id="112" name="Shape 112"/>
+        <p:cNvPr id="113" name="Shape 113"/>
         <p:cNvGrpSpPr/>
         <p:nvPr/>
       </p:nvGrpSpPr>
@@ -7964,7 +8011,7 @@
       </p:grpSpPr>
       <p:sp>
         <p:nvSpPr>
-          <p:cNvPr id="113" name="Google Shape;113;p16"/>
+          <p:cNvPr id="114" name="Google Shape;114;p16"/>
           <p:cNvSpPr txBox="1"/>
           <p:nvPr>
             <p:ph idx="1" type="body"/>
@@ -8026,7 +8073,7 @@
   <p:cSld>
     <p:spTree>
       <p:nvGrpSpPr>
-        <p:cNvPr id="117" name="Shape 117"/>
+        <p:cNvPr id="118" name="Shape 118"/>
         <p:cNvGrpSpPr/>
         <p:nvPr/>
       </p:nvGrpSpPr>
@@ -8040,7 +8087,7 @@
       </p:grpSpPr>
       <p:sp>
         <p:nvSpPr>
-          <p:cNvPr id="118" name="Google Shape;118;p17"/>
+          <p:cNvPr id="119" name="Google Shape;119;p17"/>
           <p:cNvSpPr txBox="1"/>
           <p:nvPr>
             <p:ph type="title"/>
@@ -8092,7 +8139,7 @@
       </p:sp>
       <p:pic>
         <p:nvPicPr>
-          <p:cNvPr id="119" name="Google Shape;119;p17"/>
+          <p:cNvPr id="120" name="Google Shape;120;p17"/>
           <p:cNvPicPr preferRelativeResize="0"/>
           <p:nvPr/>
         </p:nvPicPr>
@@ -8120,7 +8167,7 @@
       </p:pic>
       <p:pic>
         <p:nvPicPr>
-          <p:cNvPr id="120" name="Google Shape;120;p17"/>
+          <p:cNvPr id="121" name="Google Shape;121;p17"/>
           <p:cNvPicPr preferRelativeResize="0"/>
           <p:nvPr/>
         </p:nvPicPr>
@@ -8147,7 +8194,7 @@
       </p:pic>
       <p:pic>
         <p:nvPicPr>
-          <p:cNvPr id="121" name="Google Shape;121;p17"/>
+          <p:cNvPr id="122" name="Google Shape;122;p17"/>
           <p:cNvPicPr preferRelativeResize="0"/>
           <p:nvPr/>
         </p:nvPicPr>
@@ -8175,7 +8222,7 @@
       </p:pic>
       <p:pic>
         <p:nvPicPr>
-          <p:cNvPr id="122" name="Google Shape;122;p17"/>
+          <p:cNvPr id="123" name="Google Shape;123;p17"/>
           <p:cNvPicPr preferRelativeResize="0"/>
           <p:nvPr/>
         </p:nvPicPr>
@@ -8203,7 +8250,7 @@
       </p:pic>
       <p:sp>
         <p:nvSpPr>
-          <p:cNvPr id="123" name="Google Shape;123;p17"/>
+          <p:cNvPr id="124" name="Google Shape;124;p17"/>
           <p:cNvSpPr txBox="1"/>
           <p:nvPr/>
         </p:nvSpPr>
@@ -8261,7 +8308,7 @@
       </p:sp>
       <p:sp>
         <p:nvSpPr>
-          <p:cNvPr id="124" name="Google Shape;124;p17"/>
+          <p:cNvPr id="125" name="Google Shape;125;p17"/>
           <p:cNvSpPr txBox="1"/>
           <p:nvPr/>
         </p:nvSpPr>
@@ -8331,7 +8378,7 @@
       </p:sp>
       <p:sp>
         <p:nvSpPr>
-          <p:cNvPr id="125" name="Google Shape;125;p17"/>
+          <p:cNvPr id="126" name="Google Shape;126;p17"/>
           <p:cNvSpPr txBox="1"/>
           <p:nvPr/>
         </p:nvSpPr>
@@ -8389,7 +8436,7 @@
       </p:sp>
       <p:sp>
         <p:nvSpPr>
-          <p:cNvPr id="126" name="Google Shape;126;p17"/>
+          <p:cNvPr id="127" name="Google Shape;127;p17"/>
           <p:cNvSpPr txBox="1"/>
           <p:nvPr/>
         </p:nvSpPr>
@@ -8449,7 +8496,7 @@
       </p:sp>
       <p:sp>
         <p:nvSpPr>
-          <p:cNvPr id="127" name="Google Shape;127;p17"/>
+          <p:cNvPr id="128" name="Google Shape;128;p17"/>
           <p:cNvSpPr txBox="1"/>
           <p:nvPr/>
         </p:nvSpPr>
@@ -8507,7 +8554,7 @@
       </p:sp>
       <p:sp>
         <p:nvSpPr>
-          <p:cNvPr id="128" name="Google Shape;128;p17"/>
+          <p:cNvPr id="129" name="Google Shape;129;p17"/>
           <p:cNvSpPr txBox="1"/>
           <p:nvPr/>
         </p:nvSpPr>
@@ -8565,7 +8612,7 @@
       </p:sp>
       <p:sp>
         <p:nvSpPr>
-          <p:cNvPr id="129" name="Google Shape;129;p17"/>
+          <p:cNvPr id="130" name="Google Shape;130;p17"/>
           <p:cNvSpPr txBox="1"/>
           <p:nvPr/>
         </p:nvSpPr>
@@ -8623,14 +8670,14 @@
       </p:sp>
       <p:sp>
         <p:nvSpPr>
-          <p:cNvPr id="130" name="Google Shape;130;p17"/>
+          <p:cNvPr id="131" name="Google Shape;131;p17"/>
           <p:cNvSpPr txBox="1"/>
           <p:nvPr/>
         </p:nvSpPr>
         <p:spPr>
           <a:xfrm>
-            <a:off x="6309350" y="5369825"/>
-            <a:ext cx="5790900" cy="1416000"/>
+            <a:off x="6070300" y="5369825"/>
+            <a:ext cx="5955900" cy="1416000"/>
           </a:xfrm>
           <a:prstGeom prst="rect">
             <a:avLst/>
@@ -8750,12 +8797,12 @@
                 <a:solidFill>
                   <a:srgbClr val="7F7F7F"/>
                 </a:solidFill>
-                <a:latin typeface="Gungsuh"/>
-                <a:ea typeface="Gungsuh"/>
-                <a:cs typeface="Gungsuh"/>
-                <a:sym typeface="Gungsuh"/>
+                <a:latin typeface="Malgun Gothic"/>
+                <a:ea typeface="Malgun Gothic"/>
+                <a:cs typeface="Malgun Gothic"/>
+                <a:sym typeface="Malgun Gothic"/>
               </a:rPr>
-              <a:t>이제 TDD없이는 개발 못해</a:t>
+              <a:t>이제 TDD없이는 개발 못해🥰</a:t>
             </a:r>
             <a:r>
               <a:rPr b="1" lang="ko-KR" sz="2400">
@@ -8794,7 +8841,7 @@
   <p:cSld>
     <p:spTree>
       <p:nvGrpSpPr>
-        <p:cNvPr id="134" name="Shape 134"/>
+        <p:cNvPr id="135" name="Shape 135"/>
         <p:cNvGrpSpPr/>
         <p:nvPr/>
       </p:nvGrpSpPr>
@@ -8808,7 +8855,7 @@
       </p:grpSpPr>
       <p:sp>
         <p:nvSpPr>
-          <p:cNvPr id="135" name="Google Shape;135;p18"/>
+          <p:cNvPr id="136" name="Google Shape;136;p18"/>
           <p:cNvSpPr txBox="1"/>
           <p:nvPr>
             <p:ph idx="1" type="body"/>
@@ -8870,7 +8917,7 @@
   <p:cSld>
     <p:spTree>
       <p:nvGrpSpPr>
-        <p:cNvPr id="139" name="Shape 139"/>
+        <p:cNvPr id="140" name="Shape 140"/>
         <p:cNvGrpSpPr/>
         <p:nvPr/>
       </p:nvGrpSpPr>
@@ -8884,7 +8931,7 @@
       </p:grpSpPr>
       <p:sp>
         <p:nvSpPr>
-          <p:cNvPr id="140" name="Google Shape;140;p19"/>
+          <p:cNvPr id="141" name="Google Shape;141;p19"/>
           <p:cNvSpPr txBox="1"/>
           <p:nvPr>
             <p:ph type="title"/>
@@ -8936,7 +8983,7 @@
       </p:sp>
       <p:sp>
         <p:nvSpPr>
-          <p:cNvPr id="141" name="Google Shape;141;p19"/>
+          <p:cNvPr id="142" name="Google Shape;142;p19"/>
           <p:cNvSpPr txBox="1"/>
           <p:nvPr>
             <p:ph idx="1" type="body"/>
@@ -8996,7 +9043,7 @@
       </p:sp>
       <p:pic>
         <p:nvPicPr>
-          <p:cNvPr id="142" name="Google Shape;142;p19"/>
+          <p:cNvPr id="143" name="Google Shape;143;p19"/>
           <p:cNvPicPr preferRelativeResize="0"/>
           <p:nvPr/>
         </p:nvPicPr>
@@ -9023,7 +9070,7 @@
       </p:pic>
       <p:pic>
         <p:nvPicPr>
-          <p:cNvPr id="143" name="Google Shape;143;p19"/>
+          <p:cNvPr id="144" name="Google Shape;144;p19"/>
           <p:cNvPicPr preferRelativeResize="0"/>
           <p:nvPr/>
         </p:nvPicPr>
@@ -9050,7 +9097,7 @@
       </p:pic>
       <p:sp>
         <p:nvSpPr>
-          <p:cNvPr id="144" name="Google Shape;144;p19"/>
+          <p:cNvPr id="145" name="Google Shape;145;p19"/>
           <p:cNvSpPr/>
           <p:nvPr/>
         </p:nvSpPr>
@@ -9102,7 +9149,7 @@
       </p:sp>
       <p:sp>
         <p:nvSpPr>
-          <p:cNvPr id="145" name="Google Shape;145;p19"/>
+          <p:cNvPr id="146" name="Google Shape;146;p19"/>
           <p:cNvSpPr txBox="1"/>
           <p:nvPr/>
         </p:nvSpPr>
@@ -9162,7 +9209,7 @@
       </p:sp>
       <p:pic>
         <p:nvPicPr>
-          <p:cNvPr id="146" name="Google Shape;146;p19"/>
+          <p:cNvPr id="147" name="Google Shape;147;p19"/>
           <p:cNvPicPr preferRelativeResize="0"/>
           <p:nvPr/>
         </p:nvPicPr>
@@ -9195,7 +9242,7 @@
       </p:pic>
       <p:sp>
         <p:nvSpPr>
-          <p:cNvPr id="147" name="Google Shape;147;p19"/>
+          <p:cNvPr id="148" name="Google Shape;148;p19"/>
           <p:cNvSpPr txBox="1"/>
           <p:nvPr/>
         </p:nvSpPr>
@@ -9267,7 +9314,7 @@
       </p:sp>
       <p:pic>
         <p:nvPicPr>
-          <p:cNvPr id="148" name="Google Shape;148;p19"/>
+          <p:cNvPr id="149" name="Google Shape;149;p19"/>
           <p:cNvPicPr preferRelativeResize="0"/>
           <p:nvPr/>
         </p:nvPicPr>
@@ -9294,7 +9341,7 @@
       </p:pic>
       <p:sp>
         <p:nvSpPr>
-          <p:cNvPr id="149" name="Google Shape;149;p19"/>
+          <p:cNvPr id="150" name="Google Shape;150;p19"/>
           <p:cNvSpPr/>
           <p:nvPr/>
         </p:nvSpPr>
@@ -9346,7 +9393,7 @@
       </p:sp>
       <p:sp>
         <p:nvSpPr>
-          <p:cNvPr id="150" name="Google Shape;150;p19"/>
+          <p:cNvPr id="151" name="Google Shape;151;p19"/>
           <p:cNvSpPr/>
           <p:nvPr/>
         </p:nvSpPr>
@@ -9398,10 +9445,10 @@
       </p:sp>
       <p:cxnSp>
         <p:nvCxnSpPr>
-          <p:cNvPr id="151" name="Google Shape;151;p19"/>
+          <p:cNvPr id="152" name="Google Shape;152;p19"/>
           <p:cNvCxnSpPr>
-            <a:stCxn id="150" idx="2"/>
-            <a:endCxn id="144" idx="0"/>
+            <a:stCxn id="151" idx="2"/>
+            <a:endCxn id="145" idx="0"/>
           </p:cNvCxnSpPr>
           <p:nvPr/>
         </p:nvCxnSpPr>
@@ -9427,10 +9474,10 @@
       </p:cxnSp>
       <p:cxnSp>
         <p:nvCxnSpPr>
-          <p:cNvPr id="152" name="Google Shape;152;p19"/>
+          <p:cNvPr id="153" name="Google Shape;153;p19"/>
           <p:cNvCxnSpPr>
-            <a:stCxn id="149" idx="2"/>
-            <a:endCxn id="146" idx="0"/>
+            <a:stCxn id="150" idx="2"/>
+            <a:endCxn id="147" idx="0"/>
           </p:cNvCxnSpPr>
           <p:nvPr/>
         </p:nvCxnSpPr>
@@ -9456,7 +9503,7 @@
       </p:cxnSp>
       <p:sp>
         <p:nvSpPr>
-          <p:cNvPr id="153" name="Google Shape;153;p19"/>
+          <p:cNvPr id="154" name="Google Shape;154;p19"/>
           <p:cNvSpPr txBox="1"/>
           <p:nvPr/>
         </p:nvSpPr>
@@ -9558,7 +9605,7 @@
       </p:sp>
       <p:sp>
         <p:nvSpPr>
-          <p:cNvPr id="154" name="Google Shape;154;p19"/>
+          <p:cNvPr id="155" name="Google Shape;155;p19"/>
           <p:cNvSpPr txBox="1"/>
           <p:nvPr/>
         </p:nvSpPr>
@@ -9628,7 +9675,7 @@
       </p:sp>
       <p:sp>
         <p:nvSpPr>
-          <p:cNvPr id="155" name="Google Shape;155;p19"/>
+          <p:cNvPr id="156" name="Google Shape;156;p19"/>
           <p:cNvSpPr txBox="1"/>
           <p:nvPr/>
         </p:nvSpPr>
@@ -9713,7 +9760,7 @@
   <p:cSld>
     <p:spTree>
       <p:nvGrpSpPr>
-        <p:cNvPr id="159" name="Shape 159"/>
+        <p:cNvPr id="160" name="Shape 160"/>
         <p:cNvGrpSpPr/>
         <p:nvPr/>
       </p:nvGrpSpPr>
@@ -9727,7 +9774,7 @@
       </p:grpSpPr>
       <p:sp>
         <p:nvSpPr>
-          <p:cNvPr id="160" name="Google Shape;160;p20"/>
+          <p:cNvPr id="161" name="Google Shape;161;p20"/>
           <p:cNvSpPr txBox="1"/>
           <p:nvPr>
             <p:ph idx="1" type="body"/>
@@ -9789,7 +9836,7 @@
   <p:cSld>
     <p:spTree>
       <p:nvGrpSpPr>
-        <p:cNvPr id="164" name="Shape 164"/>
+        <p:cNvPr id="165" name="Shape 165"/>
         <p:cNvGrpSpPr/>
         <p:nvPr/>
       </p:nvGrpSpPr>
@@ -9803,7 +9850,7 @@
       </p:grpSpPr>
       <p:sp>
         <p:nvSpPr>
-          <p:cNvPr id="165" name="Google Shape;165;p21"/>
+          <p:cNvPr id="166" name="Google Shape;166;p21"/>
           <p:cNvSpPr txBox="1"/>
           <p:nvPr>
             <p:ph type="title"/>
@@ -9855,7 +9902,7 @@
       </p:sp>
       <p:sp>
         <p:nvSpPr>
-          <p:cNvPr id="166" name="Google Shape;166;p21"/>
+          <p:cNvPr id="167" name="Google Shape;167;p21"/>
           <p:cNvSpPr txBox="1"/>
           <p:nvPr>
             <p:ph idx="1" type="body"/>
@@ -9903,7 +9950,7 @@
       </p:sp>
       <p:pic>
         <p:nvPicPr>
-          <p:cNvPr id="167" name="Google Shape;167;p21"/>
+          <p:cNvPr id="168" name="Google Shape;168;p21"/>
           <p:cNvPicPr preferRelativeResize="0"/>
           <p:nvPr/>
         </p:nvPicPr>
@@ -9936,7 +9983,7 @@
       </p:pic>
       <p:pic>
         <p:nvPicPr>
-          <p:cNvPr id="168" name="Google Shape;168;p21"/>
+          <p:cNvPr id="169" name="Google Shape;169;p21"/>
           <p:cNvPicPr preferRelativeResize="0"/>
           <p:nvPr/>
         </p:nvPicPr>
@@ -9969,7 +10016,7 @@
       </p:pic>
       <p:pic>
         <p:nvPicPr>
-          <p:cNvPr id="169" name="Google Shape;169;p21"/>
+          <p:cNvPr id="170" name="Google Shape;170;p21"/>
           <p:cNvPicPr preferRelativeResize="0"/>
           <p:nvPr/>
         </p:nvPicPr>
@@ -10002,7 +10049,7 @@
       </p:pic>
       <p:sp>
         <p:nvSpPr>
-          <p:cNvPr id="170" name="Google Shape;170;p21"/>
+          <p:cNvPr id="171" name="Google Shape;171;p21"/>
           <p:cNvSpPr txBox="1"/>
           <p:nvPr/>
         </p:nvSpPr>
@@ -10129,7 +10176,7 @@
       </p:sp>
       <p:sp>
         <p:nvSpPr>
-          <p:cNvPr id="171" name="Google Shape;171;p21"/>
+          <p:cNvPr id="172" name="Google Shape;172;p21"/>
           <p:cNvSpPr txBox="1"/>
           <p:nvPr/>
         </p:nvSpPr>
@@ -10187,9 +10234,9 @@
       </p:sp>
       <p:cxnSp>
         <p:nvCxnSpPr>
-          <p:cNvPr id="172" name="Google Shape;172;p21"/>
+          <p:cNvPr id="173" name="Google Shape;173;p21"/>
           <p:cNvCxnSpPr>
-            <a:endCxn id="173" idx="3"/>
+            <a:endCxn id="174" idx="3"/>
           </p:cNvCxnSpPr>
           <p:nvPr/>
         </p:nvCxnSpPr>
@@ -10215,7 +10262,7 @@
       </p:cxnSp>
       <p:sp>
         <p:nvSpPr>
-          <p:cNvPr id="174" name="Google Shape;174;p21"/>
+          <p:cNvPr id="175" name="Google Shape;175;p21"/>
           <p:cNvSpPr txBox="1"/>
           <p:nvPr/>
         </p:nvSpPr>
@@ -10293,7 +10340,7 @@
       </p:sp>
       <p:sp>
         <p:nvSpPr>
-          <p:cNvPr id="175" name="Google Shape;175;p21"/>
+          <p:cNvPr id="176" name="Google Shape;176;p21"/>
           <p:cNvSpPr txBox="1"/>
           <p:nvPr/>
         </p:nvSpPr>
@@ -10383,7 +10430,7 @@
       </p:sp>
       <p:sp>
         <p:nvSpPr>
-          <p:cNvPr id="176" name="Google Shape;176;p21"/>
+          <p:cNvPr id="177" name="Google Shape;177;p21"/>
           <p:cNvSpPr txBox="1"/>
           <p:nvPr/>
         </p:nvSpPr>
@@ -10473,7 +10520,7 @@
       </p:sp>
       <p:sp>
         <p:nvSpPr>
-          <p:cNvPr id="177" name="Google Shape;177;p21"/>
+          <p:cNvPr id="178" name="Google Shape;178;p21"/>
           <p:cNvSpPr txBox="1"/>
           <p:nvPr/>
         </p:nvSpPr>
@@ -10547,7 +10594,7 @@
       </p:sp>
       <p:sp>
         <p:nvSpPr>
-          <p:cNvPr id="173" name="Google Shape;173;p21"/>
+          <p:cNvPr id="174" name="Google Shape;174;p21"/>
           <p:cNvSpPr/>
           <p:nvPr/>
         </p:nvSpPr>
@@ -10610,7 +10657,7 @@
   <p:cSld>
     <p:spTree>
       <p:nvGrpSpPr>
-        <p:cNvPr id="181" name="Shape 181"/>
+        <p:cNvPr id="182" name="Shape 182"/>
         <p:cNvGrpSpPr/>
         <p:nvPr/>
       </p:nvGrpSpPr>
@@ -10624,7 +10671,7 @@
       </p:grpSpPr>
       <p:sp>
         <p:nvSpPr>
-          <p:cNvPr id="182" name="Google Shape;182;p22"/>
+          <p:cNvPr id="183" name="Google Shape;183;p22"/>
           <p:cNvSpPr txBox="1"/>
           <p:nvPr>
             <p:ph idx="1" type="body"/>
@@ -10686,7 +10733,7 @@
   <p:cSld>
     <p:spTree>
       <p:nvGrpSpPr>
-        <p:cNvPr id="186" name="Shape 186"/>
+        <p:cNvPr id="187" name="Shape 187"/>
         <p:cNvGrpSpPr/>
         <p:nvPr/>
       </p:nvGrpSpPr>
@@ -10700,7 +10747,7 @@
       </p:grpSpPr>
       <p:sp>
         <p:nvSpPr>
-          <p:cNvPr id="187" name="Google Shape;187;p23"/>
+          <p:cNvPr id="188" name="Google Shape;188;p23"/>
           <p:cNvSpPr txBox="1"/>
           <p:nvPr>
             <p:ph type="title"/>
@@ -10752,7 +10799,7 @@
       </p:sp>
       <p:sp>
         <p:nvSpPr>
-          <p:cNvPr id="188" name="Google Shape;188;p23"/>
+          <p:cNvPr id="189" name="Google Shape;189;p23"/>
           <p:cNvSpPr txBox="1"/>
           <p:nvPr>
             <p:ph idx="1" type="body"/>
@@ -10803,7 +10850,7 @@
       </p:sp>
       <p:graphicFrame>
         <p:nvGraphicFramePr>
-          <p:cNvPr id="189" name="Google Shape;189;p23"/>
+          <p:cNvPr id="190" name="Google Shape;190;p23"/>
           <p:cNvGraphicFramePr/>
           <p:nvPr/>
         </p:nvGraphicFramePr>
@@ -10816,7 +10863,7 @@
             <a:tbl>
               <a:tblPr>
                 <a:noFill/>
-                <a:tableStyleId>{B1F6596F-2419-4E60-BECD-01659646A7CC}</a:tableStyleId>
+                <a:tableStyleId>{1FB990DA-E6C9-4501-9413-2B8C2C30D215}</a:tableStyleId>
               </a:tblPr>
               <a:tblGrid>
                 <a:gridCol w="4528825"/>
@@ -11191,7 +11238,7 @@
       </p:graphicFrame>
       <p:sp>
         <p:nvSpPr>
-          <p:cNvPr id="190" name="Google Shape;190;p23"/>
+          <p:cNvPr id="191" name="Google Shape;191;p23"/>
           <p:cNvSpPr txBox="1"/>
           <p:nvPr>
             <p:ph idx="1" type="body"/>
@@ -11230,7 +11277,7 @@
             </a:pPr>
             <a:r>
               <a:rPr lang="ko-KR" sz="2100"/>
-              <a:t>3. Script Demo</a:t>
+              <a:t>3. Shell Demo</a:t>
             </a:r>
             <a:endParaRPr sz="2100"/>
           </a:p>
@@ -11238,7 +11285,7 @@
       </p:sp>
       <p:graphicFrame>
         <p:nvGraphicFramePr>
-          <p:cNvPr id="191" name="Google Shape;191;p23"/>
+          <p:cNvPr id="192" name="Google Shape;192;p23"/>
           <p:cNvGraphicFramePr/>
           <p:nvPr/>
         </p:nvGraphicFramePr>
@@ -11251,7 +11298,7 @@
             <a:tbl>
               <a:tblPr>
                 <a:noFill/>
-                <a:tableStyleId>{B1F6596F-2419-4E60-BECD-01659646A7CC}</a:tableStyleId>
+                <a:tableStyleId>{1FB990DA-E6C9-4501-9413-2B8C2C30D215}</a:tableStyleId>
               </a:tblPr>
               <a:tblGrid>
                 <a:gridCol w="4528825"/>
@@ -11581,7 +11628,7 @@
       </p:graphicFrame>
       <p:sp>
         <p:nvSpPr>
-          <p:cNvPr id="192" name="Google Shape;192;p23"/>
+          <p:cNvPr id="193" name="Google Shape;193;p23"/>
           <p:cNvSpPr txBox="1"/>
           <p:nvPr>
             <p:ph idx="1" type="body"/>
@@ -11636,7 +11683,7 @@
       </p:sp>
       <p:graphicFrame>
         <p:nvGraphicFramePr>
-          <p:cNvPr id="193" name="Google Shape;193;p23"/>
+          <p:cNvPr id="194" name="Google Shape;194;p23"/>
           <p:cNvGraphicFramePr/>
           <p:nvPr/>
         </p:nvGraphicFramePr>
@@ -11649,7 +11696,7 @@
             <a:tbl>
               <a:tblPr>
                 <a:noFill/>
-                <a:tableStyleId>{B1F6596F-2419-4E60-BECD-01659646A7CC}</a:tableStyleId>
+                <a:tableStyleId>{1FB990DA-E6C9-4501-9413-2B8C2C30D215}</a:tableStyleId>
               </a:tblPr>
               <a:tblGrid>
                 <a:gridCol w="5141575"/>
@@ -11674,6 +11721,34 @@
                       </a:pPr>
                       <a:r>
                         <a:rPr lang="ko-KR"/>
+                        <a:t>cat ./shell_scripts.txt</a:t>
+                      </a:r>
+                      <a:endParaRPr/>
+                    </a:p>
+                    <a:p>
+                      <a:pPr indent="0" lvl="0" marL="0" rtl="0" algn="l">
+                        <a:lnSpc>
+                          <a:spcPct val="90000"/>
+                        </a:lnSpc>
+                        <a:spcBef>
+                          <a:spcPts val="0"/>
+                        </a:spcBef>
+                        <a:spcAft>
+                          <a:spcPts val="0"/>
+                        </a:spcAft>
+                        <a:buClr>
+                          <a:schemeClr val="dk1"/>
+                        </a:buClr>
+                        <a:buSzPts val="1100"/>
+                        <a:buFont typeface="Arial"/>
+                        <a:buNone/>
+                      </a:pPr>
+                      <a:r>
+                        <a:rPr lang="ko-KR">
+                          <a:solidFill>
+                            <a:schemeClr val="dk1"/>
+                          </a:solidFill>
+                        </a:rPr>
                         <a:t>./shell.bat shell_scripts.txt</a:t>
                       </a:r>
                       <a:endParaRPr/>
@@ -11688,7 +11763,7 @@
       </p:graphicFrame>
       <p:sp>
         <p:nvSpPr>
-          <p:cNvPr id="194" name="Google Shape;194;p23"/>
+          <p:cNvPr id="195" name="Google Shape;195;p23"/>
           <p:cNvSpPr txBox="1"/>
           <p:nvPr>
             <p:ph idx="1" type="body"/>
@@ -11743,7 +11818,7 @@
       </p:sp>
       <p:graphicFrame>
         <p:nvGraphicFramePr>
-          <p:cNvPr id="195" name="Google Shape;195;p23"/>
+          <p:cNvPr id="196" name="Google Shape;196;p23"/>
           <p:cNvGraphicFramePr/>
           <p:nvPr/>
         </p:nvGraphicFramePr>
@@ -11756,7 +11831,7 @@
             <a:tbl>
               <a:tblPr>
                 <a:noFill/>
-                <a:tableStyleId>{B1F6596F-2419-4E60-BECD-01659646A7CC}</a:tableStyleId>
+                <a:tableStyleId>{1FB990DA-E6C9-4501-9413-2B8C2C30D215}</a:tableStyleId>
               </a:tblPr>
               <a:tblGrid>
                 <a:gridCol w="5141575"/>
@@ -12183,6 +12258,53 @@
           </a:graphicData>
         </a:graphic>
       </p:graphicFrame>
+      <p:sp>
+        <p:nvSpPr>
+          <p:cNvPr id="197" name="Google Shape;197;p23"/>
+          <p:cNvSpPr txBox="1"/>
+          <p:nvPr/>
+        </p:nvSpPr>
+        <p:spPr>
+          <a:xfrm>
+            <a:off x="8174150" y="6336575"/>
+            <a:ext cx="3784500" cy="354000"/>
+          </a:xfrm>
+          <a:prstGeom prst="rect">
+            <a:avLst/>
+          </a:prstGeom>
+          <a:noFill/>
+          <a:ln>
+            <a:noFill/>
+          </a:ln>
+        </p:spPr>
+        <p:txBody>
+          <a:bodyPr anchorCtr="0" anchor="t" bIns="91425" lIns="91425" spcFirstLastPara="1" rIns="91425" wrap="square" tIns="91425">
+            <a:spAutoFit/>
+          </a:bodyPr>
+          <a:lstStyle/>
+          <a:p>
+            <a:pPr indent="0" lvl="0" marL="0" rtl="0" algn="l">
+              <a:spcBef>
+                <a:spcPts val="0"/>
+              </a:spcBef>
+              <a:spcAft>
+                <a:spcPts val="0"/>
+              </a:spcAft>
+              <a:buNone/>
+            </a:pPr>
+            <a:r>
+              <a:rPr lang="ko-KR" sz="1100" u="sng">
+                <a:solidFill>
+                  <a:schemeClr val="hlink"/>
+                </a:solidFill>
+                <a:hlinkClick r:id="rId3"/>
+              </a:rPr>
+              <a:t>cra-teamA/ssd_project: ssd_project by All Clear Team</a:t>
+            </a:r>
+            <a:endParaRPr/>
+          </a:p>
+        </p:txBody>
+      </p:sp>
     </p:spTree>
   </p:cSld>
   <p:clrMapOvr>
@@ -12196,7 +12318,7 @@
   <p:cSld>
     <p:spTree>
       <p:nvGrpSpPr>
-        <p:cNvPr id="199" name="Shape 199"/>
+        <p:cNvPr id="201" name="Shape 201"/>
         <p:cNvGrpSpPr/>
         <p:nvPr/>
       </p:nvGrpSpPr>
@@ -12210,7 +12332,7 @@
       </p:grpSpPr>
       <p:sp>
         <p:nvSpPr>
-          <p:cNvPr id="200" name="Google Shape;200;p24"/>
+          <p:cNvPr id="202" name="Google Shape;202;p24"/>
           <p:cNvSpPr txBox="1"/>
           <p:nvPr>
             <p:ph type="title"/>
@@ -12262,7 +12384,7 @@
       </p:sp>
       <p:pic>
         <p:nvPicPr>
-          <p:cNvPr id="201" name="Google Shape;201;p24" title="ssd_project – shell_command.py 2025-08-08 16-20-40 - Trim.mp4">
+          <p:cNvPr id="203" name="Google Shape;203;p24" title="ssd_project – shell_command.py 2025-08-08 16-20-40 - Trim.mp4">
             <a:hlinkClick r:id="rId3"/>
           </p:cNvPr>
           <p:cNvPicPr preferRelativeResize="0"/>
@@ -12292,7 +12414,7 @@
       </p:pic>
       <p:pic>
         <p:nvPicPr>
-          <p:cNvPr id="202" name="Google Shape;202;p24" title="1754639443.gif"/>
+          <p:cNvPr id="204" name="Google Shape;204;p24" title="1754639443.gif"/>
           <p:cNvPicPr preferRelativeResize="0"/>
           <p:nvPr/>
         </p:nvPicPr>
@@ -12320,7 +12442,7 @@
       </p:pic>
       <p:pic>
         <p:nvPicPr>
-          <p:cNvPr descr="파일:Fukidashi.png - 위키백과, 우리 모두의 백과사전" id="203" name="Google Shape;203;p24"/>
+          <p:cNvPr descr="파일:Fukidashi.png - 위키백과, 우리 모두의 백과사전" id="205" name="Google Shape;205;p24"/>
           <p:cNvPicPr preferRelativeResize="0"/>
           <p:nvPr/>
         </p:nvPicPr>
@@ -12347,7 +12469,7 @@
       </p:pic>
       <p:sp>
         <p:nvSpPr>
-          <p:cNvPr id="204" name="Google Shape;204;p24"/>
+          <p:cNvPr id="206" name="Google Shape;206;p24"/>
           <p:cNvSpPr/>
           <p:nvPr/>
         </p:nvSpPr>
@@ -12401,7 +12523,7 @@
       </p:sp>
       <p:sp>
         <p:nvSpPr>
-          <p:cNvPr id="205" name="Google Shape;205;p24"/>
+          <p:cNvPr id="207" name="Google Shape;207;p24"/>
           <p:cNvSpPr txBox="1"/>
           <p:nvPr/>
         </p:nvSpPr>
@@ -12459,7 +12581,7 @@
       </p:sp>
       <p:pic>
         <p:nvPicPr>
-          <p:cNvPr id="206" name="Google Shape;206;p24"/>
+          <p:cNvPr id="208" name="Google Shape;208;p24"/>
           <p:cNvPicPr preferRelativeResize="0"/>
           <p:nvPr/>
         </p:nvPicPr>
@@ -12524,7 +12646,7 @@
                                           </p:stCondLst>
                                         </p:cTn>
                                         <p:tgtEl>
-                                          <p:spTgt spid="201"/>
+                                          <p:spTgt spid="203"/>
                                         </p:tgtEl>
                                         <p:attrNameLst>
                                           <p:attrName>style.visibility</p:attrName>
@@ -12538,7 +12660,7 @@
                                       <p:cBhvr>
                                         <p:cTn dur="1000"/>
                                         <p:tgtEl>
-                                          <p:spTgt spid="201"/>
+                                          <p:spTgt spid="203"/>
                                         </p:tgtEl>
                                       </p:cBhvr>
                                     </p:animEffect>
@@ -12581,7 +12703,7 @@
   <p:cSld>
     <p:spTree>
       <p:nvGrpSpPr>
-        <p:cNvPr id="52" name="Shape 52"/>
+        <p:cNvPr id="53" name="Shape 53"/>
         <p:cNvGrpSpPr/>
         <p:nvPr/>
       </p:nvGrpSpPr>
@@ -12595,7 +12717,7 @@
       </p:grpSpPr>
       <p:sp>
         <p:nvSpPr>
-          <p:cNvPr id="53" name="Google Shape;53;p7"/>
+          <p:cNvPr id="54" name="Google Shape;54;p7"/>
           <p:cNvSpPr txBox="1"/>
           <p:nvPr>
             <p:ph idx="1" type="body"/>
@@ -12654,7 +12776,7 @@
   <p:cSld>
     <p:spTree>
       <p:nvGrpSpPr>
-        <p:cNvPr id="210" name="Shape 210"/>
+        <p:cNvPr id="212" name="Shape 212"/>
         <p:cNvGrpSpPr/>
         <p:nvPr/>
       </p:nvGrpSpPr>
@@ -12668,7 +12790,7 @@
       </p:grpSpPr>
       <p:sp>
         <p:nvSpPr>
-          <p:cNvPr id="211" name="Google Shape;211;p25"/>
+          <p:cNvPr id="213" name="Google Shape;213;p25"/>
           <p:cNvSpPr txBox="1"/>
           <p:nvPr>
             <p:ph idx="1" type="body"/>
@@ -12730,7 +12852,7 @@
   <p:cSld>
     <p:spTree>
       <p:nvGrpSpPr>
-        <p:cNvPr id="215" name="Shape 215"/>
+        <p:cNvPr id="217" name="Shape 217"/>
         <p:cNvGrpSpPr/>
         <p:nvPr/>
       </p:nvGrpSpPr>
@@ -12744,7 +12866,7 @@
       </p:grpSpPr>
       <p:sp>
         <p:nvSpPr>
-          <p:cNvPr id="216" name="Google Shape;216;p26"/>
+          <p:cNvPr id="218" name="Google Shape;218;p26"/>
           <p:cNvSpPr txBox="1"/>
           <p:nvPr>
             <p:ph type="title"/>
@@ -12796,7 +12918,7 @@
       </p:sp>
       <p:sp>
         <p:nvSpPr>
-          <p:cNvPr id="217" name="Google Shape;217;p26"/>
+          <p:cNvPr id="219" name="Google Shape;219;p26"/>
           <p:cNvSpPr txBox="1"/>
           <p:nvPr>
             <p:ph idx="1" type="body"/>
@@ -12993,7 +13115,7 @@
   <p:cSld>
     <p:spTree>
       <p:nvGrpSpPr>
-        <p:cNvPr id="57" name="Shape 57"/>
+        <p:cNvPr id="58" name="Shape 58"/>
         <p:cNvGrpSpPr/>
         <p:nvPr/>
       </p:nvGrpSpPr>
@@ -13007,7 +13129,7 @@
       </p:grpSpPr>
       <p:sp>
         <p:nvSpPr>
-          <p:cNvPr id="58" name="Google Shape;58;p8"/>
+          <p:cNvPr id="59" name="Google Shape;59;p8"/>
           <p:cNvSpPr txBox="1"/>
           <p:nvPr>
             <p:ph type="title"/>
@@ -13059,7 +13181,7 @@
       </p:sp>
       <p:sp>
         <p:nvSpPr>
-          <p:cNvPr id="59" name="Google Shape;59;p8"/>
+          <p:cNvPr id="60" name="Google Shape;60;p8"/>
           <p:cNvSpPr txBox="1"/>
           <p:nvPr/>
         </p:nvSpPr>
@@ -13430,7 +13552,7 @@
       </p:sp>
       <p:sp>
         <p:nvSpPr>
-          <p:cNvPr id="60" name="Google Shape;60;p8"/>
+          <p:cNvPr id="61" name="Google Shape;61;p8"/>
           <p:cNvSpPr txBox="1"/>
           <p:nvPr/>
         </p:nvSpPr>
@@ -13884,7 +14006,7 @@
   <p:cSld>
     <p:spTree>
       <p:nvGrpSpPr>
-        <p:cNvPr id="64" name="Shape 64"/>
+        <p:cNvPr id="65" name="Shape 65"/>
         <p:cNvGrpSpPr/>
         <p:nvPr/>
       </p:nvGrpSpPr>
@@ -13898,7 +14020,7 @@
       </p:grpSpPr>
       <p:sp>
         <p:nvSpPr>
-          <p:cNvPr id="65" name="Google Shape;65;p9"/>
+          <p:cNvPr id="66" name="Google Shape;66;p9"/>
           <p:cNvSpPr txBox="1"/>
           <p:nvPr>
             <p:ph type="title"/>
@@ -13950,7 +14072,7 @@
       </p:sp>
       <p:graphicFrame>
         <p:nvGraphicFramePr>
-          <p:cNvPr id="66" name="Google Shape;66;p9"/>
+          <p:cNvPr id="67" name="Google Shape;67;p9"/>
           <p:cNvGraphicFramePr/>
           <p:nvPr/>
         </p:nvGraphicFramePr>
@@ -13963,7 +14085,7 @@
             <a:tbl>
               <a:tblPr>
                 <a:noFill/>
-                <a:tableStyleId>{CCC187E6-1DB4-464C-9DF4-20F073550CE1}</a:tableStyleId>
+                <a:tableStyleId>{E6D2C2B2-8DBF-4794-9CA1-C7BFE080766A}</a:tableStyleId>
               </a:tblPr>
               <a:tblGrid>
                 <a:gridCol w="1272350"/>
@@ -23274,7 +23396,7 @@
       </p:graphicFrame>
       <p:sp>
         <p:nvSpPr>
-          <p:cNvPr id="67" name="Google Shape;67;p9"/>
+          <p:cNvPr id="68" name="Google Shape;68;p9"/>
           <p:cNvSpPr txBox="1"/>
           <p:nvPr/>
         </p:nvSpPr>
@@ -23351,7 +23473,7 @@
   <p:cSld>
     <p:spTree>
       <p:nvGrpSpPr>
-        <p:cNvPr id="71" name="Shape 71"/>
+        <p:cNvPr id="72" name="Shape 72"/>
         <p:cNvGrpSpPr/>
         <p:nvPr/>
       </p:nvGrpSpPr>
@@ -23365,7 +23487,7 @@
       </p:grpSpPr>
       <p:sp>
         <p:nvSpPr>
-          <p:cNvPr id="72" name="Google Shape;72;p10"/>
+          <p:cNvPr id="73" name="Google Shape;73;p10"/>
           <p:cNvSpPr txBox="1"/>
           <p:nvPr>
             <p:ph idx="1" type="body"/>
@@ -23427,7 +23549,7 @@
   <p:cSld>
     <p:spTree>
       <p:nvGrpSpPr>
-        <p:cNvPr id="76" name="Shape 76"/>
+        <p:cNvPr id="77" name="Shape 77"/>
         <p:cNvGrpSpPr/>
         <p:nvPr/>
       </p:nvGrpSpPr>
@@ -23441,7 +23563,7 @@
       </p:grpSpPr>
       <p:sp>
         <p:nvSpPr>
-          <p:cNvPr id="77" name="Google Shape;77;p11"/>
+          <p:cNvPr id="78" name="Google Shape;78;p11"/>
           <p:cNvSpPr txBox="1"/>
           <p:nvPr>
             <p:ph type="title"/>
@@ -23493,7 +23615,7 @@
       </p:sp>
       <p:pic>
         <p:nvPicPr>
-          <p:cNvPr id="78" name="Google Shape;78;p11"/>
+          <p:cNvPr id="79" name="Google Shape;79;p11"/>
           <p:cNvPicPr preferRelativeResize="0"/>
           <p:nvPr/>
         </p:nvPicPr>
@@ -23520,7 +23642,7 @@
       </p:pic>
       <p:pic>
         <p:nvPicPr>
-          <p:cNvPr id="79" name="Google Shape;79;p11"/>
+          <p:cNvPr id="80" name="Google Shape;80;p11"/>
           <p:cNvPicPr preferRelativeResize="0"/>
           <p:nvPr/>
         </p:nvPicPr>
@@ -23559,7 +23681,7 @@
   <p:cSld>
     <p:spTree>
       <p:nvGrpSpPr>
-        <p:cNvPr id="83" name="Shape 83"/>
+        <p:cNvPr id="84" name="Shape 84"/>
         <p:cNvGrpSpPr/>
         <p:nvPr/>
       </p:nvGrpSpPr>
@@ -23573,7 +23695,7 @@
       </p:grpSpPr>
       <p:sp>
         <p:nvSpPr>
-          <p:cNvPr id="84" name="Google Shape;84;p12"/>
+          <p:cNvPr id="85" name="Google Shape;85;p12"/>
           <p:cNvSpPr txBox="1"/>
           <p:nvPr>
             <p:ph type="title"/>
@@ -23625,7 +23747,7 @@
       </p:sp>
       <p:pic>
         <p:nvPicPr>
-          <p:cNvPr id="85" name="Google Shape;85;p12"/>
+          <p:cNvPr id="86" name="Google Shape;86;p12"/>
           <p:cNvPicPr preferRelativeResize="0"/>
           <p:nvPr/>
         </p:nvPicPr>
@@ -23653,7 +23775,7 @@
       </p:pic>
       <p:pic>
         <p:nvPicPr>
-          <p:cNvPr id="86" name="Google Shape;86;p12"/>
+          <p:cNvPr id="87" name="Google Shape;87;p12"/>
           <p:cNvPicPr preferRelativeResize="0"/>
           <p:nvPr/>
         </p:nvPicPr>
@@ -23681,7 +23803,7 @@
       </p:pic>
       <p:sp>
         <p:nvSpPr>
-          <p:cNvPr id="87" name="Google Shape;87;p12"/>
+          <p:cNvPr id="88" name="Google Shape;88;p12"/>
           <p:cNvSpPr/>
           <p:nvPr/>
         </p:nvSpPr>
@@ -23744,7 +23866,7 @@
   <p:cSld>
     <p:spTree>
       <p:nvGrpSpPr>
-        <p:cNvPr id="91" name="Shape 91"/>
+        <p:cNvPr id="92" name="Shape 92"/>
         <p:cNvGrpSpPr/>
         <p:nvPr/>
       </p:nvGrpSpPr>
@@ -23758,7 +23880,7 @@
       </p:grpSpPr>
       <p:sp>
         <p:nvSpPr>
-          <p:cNvPr id="92" name="Google Shape;92;p13"/>
+          <p:cNvPr id="93" name="Google Shape;93;p13"/>
           <p:cNvSpPr txBox="1"/>
           <p:nvPr>
             <p:ph type="title"/>
@@ -23810,7 +23932,7 @@
       </p:sp>
       <p:pic>
         <p:nvPicPr>
-          <p:cNvPr id="93" name="Google Shape;93;p13"/>
+          <p:cNvPr id="94" name="Google Shape;94;p13"/>
           <p:cNvPicPr preferRelativeResize="0"/>
           <p:nvPr/>
         </p:nvPicPr>
@@ -23838,7 +23960,7 @@
       </p:pic>
       <p:pic>
         <p:nvPicPr>
-          <p:cNvPr id="94" name="Google Shape;94;p13"/>
+          <p:cNvPr id="95" name="Google Shape;95;p13"/>
           <p:cNvPicPr preferRelativeResize="0"/>
           <p:nvPr/>
         </p:nvPicPr>
@@ -23877,7 +23999,7 @@
   <p:cSld>
     <p:spTree>
       <p:nvGrpSpPr>
-        <p:cNvPr id="98" name="Shape 98"/>
+        <p:cNvPr id="99" name="Shape 99"/>
         <p:cNvGrpSpPr/>
         <p:nvPr/>
       </p:nvGrpSpPr>
@@ -23891,7 +24013,7 @@
       </p:grpSpPr>
       <p:sp>
         <p:nvSpPr>
-          <p:cNvPr id="99" name="Google Shape;99;p14"/>
+          <p:cNvPr id="100" name="Google Shape;100;p14"/>
           <p:cNvSpPr txBox="1"/>
           <p:nvPr>
             <p:ph type="title"/>
@@ -23943,7 +24065,7 @@
       </p:sp>
       <p:pic>
         <p:nvPicPr>
-          <p:cNvPr id="100" name="Google Shape;100;p14"/>
+          <p:cNvPr id="101" name="Google Shape;101;p14"/>
           <p:cNvPicPr preferRelativeResize="0"/>
           <p:nvPr/>
         </p:nvPicPr>
@@ -23971,7 +24093,7 @@
       </p:pic>
       <p:pic>
         <p:nvPicPr>
-          <p:cNvPr id="101" name="Google Shape;101;p14"/>
+          <p:cNvPr id="102" name="Google Shape;102;p14"/>
           <p:cNvPicPr preferRelativeResize="0"/>
           <p:nvPr/>
         </p:nvPicPr>
@@ -24006,6 +24128,285 @@
 </file>
 
 <file path=ppt/theme/theme1.xml><?xml version="1.0" encoding="utf-8"?>
+<a:theme xmlns:a="http://schemas.openxmlformats.org/drawingml/2006/main" xmlns:r="http://schemas.openxmlformats.org/officeDocument/2006/relationships">
+  <a:themeElements>
+    <a:clrScheme name="Default">
+      <a:dk1>
+        <a:srgbClr val="000000"/>
+      </a:dk1>
+      <a:lt1>
+        <a:srgbClr val="FFFFFF"/>
+      </a:lt1>
+      <a:dk2>
+        <a:srgbClr val="158158"/>
+      </a:dk2>
+      <a:lt2>
+        <a:srgbClr val="F3F3F3"/>
+      </a:lt2>
+      <a:accent1>
+        <a:srgbClr val="058DC7"/>
+      </a:accent1>
+      <a:accent2>
+        <a:srgbClr val="50B432"/>
+      </a:accent2>
+      <a:accent3>
+        <a:srgbClr val="ED561B"/>
+      </a:accent3>
+      <a:accent4>
+        <a:srgbClr val="EDEF00"/>
+      </a:accent4>
+      <a:accent5>
+        <a:srgbClr val="24CBE5"/>
+      </a:accent5>
+      <a:accent6>
+        <a:srgbClr val="64E572"/>
+      </a:accent6>
+      <a:hlink>
+        <a:srgbClr val="2200CC"/>
+      </a:hlink>
+      <a:folHlink>
+        <a:srgbClr val="551A8B"/>
+      </a:folHlink>
+    </a:clrScheme>
+    <a:fontScheme name="Office">
+      <a:majorFont>
+        <a:latin typeface="Arial"/>
+        <a:ea typeface=""/>
+        <a:cs typeface=""/>
+        <a:font script="Jpan" typeface="ＭＳ Ｐゴシック"/>
+        <a:font script="Hang" typeface="맑은 고딕"/>
+        <a:font script="Hans" typeface="宋体"/>
+        <a:font script="Hant" typeface="新細明體"/>
+        <a:font script="Arab" typeface="Times New Roman"/>
+        <a:font script="Hebr" typeface="Times New Roman"/>
+        <a:font script="Thai" typeface="Angsana New"/>
+        <a:font script="Ethi" typeface="Nyala"/>
+        <a:font script="Beng" typeface="Vrinda"/>
+        <a:font script="Gujr" typeface="Shruti"/>
+        <a:font script="Khmr" typeface="MoolBoran"/>
+        <a:font script="Knda" typeface="Tunga"/>
+        <a:font script="Guru" typeface="Raavi"/>
+        <a:font script="Cans" typeface="Euphemia"/>
+        <a:font script="Cher" typeface="Plantagenet Cherokee"/>
+        <a:font script="Yiii" typeface="Microsoft Yi Baiti"/>
+        <a:font script="Tibt" typeface="Microsoft Himalaya"/>
+        <a:font script="Thaa" typeface="MV Boli"/>
+        <a:font script="Deva" typeface="Mangal"/>
+        <a:font script="Telu" typeface="Gautami"/>
+        <a:font script="Taml" typeface="Latha"/>
+        <a:font script="Syrc" typeface="Estrangelo Edessa"/>
+        <a:font script="Orya" typeface="Kalinga"/>
+        <a:font script="Mlym" typeface="Kartika"/>
+        <a:font script="Laoo" typeface="DokChampa"/>
+        <a:font script="Sinh" typeface="Iskoola Pota"/>
+        <a:font script="Mong" typeface="Mongolian Baiti"/>
+        <a:font script="Viet" typeface="Times New Roman"/>
+        <a:font script="Uigh" typeface="Microsoft Uighur"/>
+        <a:font script="Geor" typeface="Sylfaen"/>
+      </a:majorFont>
+      <a:minorFont>
+        <a:latin typeface="Arial"/>
+        <a:ea typeface=""/>
+        <a:cs typeface=""/>
+        <a:font script="Jpan" typeface="ＭＳ Ｐゴシック"/>
+        <a:font script="Hang" typeface="맑은 고딕"/>
+        <a:font script="Hans" typeface="宋体"/>
+        <a:font script="Hant" typeface="新細明體"/>
+        <a:font script="Arab" typeface="Arial"/>
+        <a:font script="Hebr" typeface="Arial"/>
+        <a:font script="Thai" typeface="Cordia New"/>
+        <a:font script="Ethi" typeface="Nyala"/>
+        <a:font script="Beng" typeface="Vrinda"/>
+        <a:font script="Gujr" typeface="Shruti"/>
+        <a:font script="Khmr" typeface="DaunPenh"/>
+        <a:font script="Knda" typeface="Tunga"/>
+        <a:font script="Guru" typeface="Raavi"/>
+        <a:font script="Cans" typeface="Euphemia"/>
+        <a:font script="Cher" typeface="Plantagenet Cherokee"/>
+        <a:font script="Yiii" typeface="Microsoft Yi Baiti"/>
+        <a:font script="Tibt" typeface="Microsoft Himalaya"/>
+        <a:font script="Thaa" typeface="MV Boli"/>
+        <a:font script="Deva" typeface="Mangal"/>
+        <a:font script="Telu" typeface="Gautami"/>
+        <a:font script="Taml" typeface="Latha"/>
+        <a:font script="Syrc" typeface="Estrangelo Edessa"/>
+        <a:font script="Orya" typeface="Kalinga"/>
+        <a:font script="Mlym" typeface="Kartika"/>
+        <a:font script="Laoo" typeface="DokChampa"/>
+        <a:font script="Sinh" typeface="Iskoola Pota"/>
+        <a:font script="Mong" typeface="Mongolian Baiti"/>
+        <a:font script="Viet" typeface="Arial"/>
+        <a:font script="Uigh" typeface="Microsoft Uighur"/>
+        <a:font script="Geor" typeface="Sylfaen"/>
+      </a:minorFont>
+    </a:fontScheme>
+    <a:fmtScheme name="Office">
+      <a:fillStyleLst>
+        <a:solidFill>
+          <a:schemeClr val="phClr"/>
+        </a:solidFill>
+        <a:gradFill rotWithShape="1">
+          <a:gsLst>
+            <a:gs pos="0">
+              <a:schemeClr val="phClr">
+                <a:tint val="50000"/>
+                <a:satMod val="300000"/>
+              </a:schemeClr>
+            </a:gs>
+            <a:gs pos="35000">
+              <a:schemeClr val="phClr">
+                <a:tint val="37000"/>
+                <a:satMod val="300000"/>
+              </a:schemeClr>
+            </a:gs>
+            <a:gs pos="100000">
+              <a:schemeClr val="phClr">
+                <a:tint val="15000"/>
+                <a:satMod val="350000"/>
+              </a:schemeClr>
+            </a:gs>
+          </a:gsLst>
+          <a:lin ang="16200000" scaled="1"/>
+        </a:gradFill>
+        <a:gradFill rotWithShape="1">
+          <a:gsLst>
+            <a:gs pos="0">
+              <a:schemeClr val="phClr">
+                <a:tint val="100000"/>
+                <a:shade val="100000"/>
+                <a:satMod val="130000"/>
+              </a:schemeClr>
+            </a:gs>
+            <a:gs pos="100000">
+              <a:schemeClr val="phClr">
+                <a:tint val="50000"/>
+                <a:shade val="100000"/>
+                <a:satMod val="350000"/>
+              </a:schemeClr>
+            </a:gs>
+          </a:gsLst>
+          <a:lin ang="16200000" scaled="0"/>
+        </a:gradFill>
+      </a:fillStyleLst>
+      <a:lnStyleLst>
+        <a:ln w="9525" cap="flat" cmpd="sng" algn="ctr">
+          <a:solidFill>
+            <a:schemeClr val="phClr">
+              <a:shade val="95000"/>
+              <a:satMod val="105000"/>
+            </a:schemeClr>
+          </a:solidFill>
+          <a:prstDash val="solid"/>
+        </a:ln>
+        <a:ln w="25400" cap="flat" cmpd="sng" algn="ctr">
+          <a:solidFill>
+            <a:schemeClr val="phClr"/>
+          </a:solidFill>
+          <a:prstDash val="solid"/>
+        </a:ln>
+        <a:ln w="38100" cap="flat" cmpd="sng" algn="ctr">
+          <a:solidFill>
+            <a:schemeClr val="phClr"/>
+          </a:solidFill>
+          <a:prstDash val="solid"/>
+        </a:ln>
+      </a:lnStyleLst>
+      <a:effectStyleLst>
+        <a:effectStyle>
+          <a:effectLst>
+            <a:outerShdw blurRad="40000" dist="20000" dir="5400000" rotWithShape="0">
+              <a:srgbClr val="000000">
+                <a:alpha val="38000"/>
+              </a:srgbClr>
+            </a:outerShdw>
+          </a:effectLst>
+        </a:effectStyle>
+        <a:effectStyle>
+          <a:effectLst>
+            <a:outerShdw blurRad="40000" dist="23000" dir="5400000" rotWithShape="0">
+              <a:srgbClr val="000000">
+                <a:alpha val="35000"/>
+              </a:srgbClr>
+            </a:outerShdw>
+          </a:effectLst>
+        </a:effectStyle>
+        <a:effectStyle>
+          <a:effectLst>
+            <a:outerShdw blurRad="40000" dist="23000" dir="5400000" rotWithShape="0">
+              <a:srgbClr val="000000">
+                <a:alpha val="35000"/>
+              </a:srgbClr>
+            </a:outerShdw>
+          </a:effectLst>
+          <a:scene3d>
+            <a:camera prst="orthographicFront">
+              <a:rot lat="0" lon="0" rev="0"/>
+            </a:camera>
+            <a:lightRig rig="threePt" dir="t">
+              <a:rot lat="0" lon="0" rev="1200000"/>
+            </a:lightRig>
+          </a:scene3d>
+          <a:sp3d>
+            <a:bevelT w="63500" h="25400"/>
+          </a:sp3d>
+        </a:effectStyle>
+      </a:effectStyleLst>
+      <a:bgFillStyleLst>
+        <a:solidFill>
+          <a:schemeClr val="phClr"/>
+        </a:solidFill>
+        <a:gradFill rotWithShape="1">
+          <a:gsLst>
+            <a:gs pos="0">
+              <a:schemeClr val="phClr">
+                <a:tint val="40000"/>
+                <a:satMod val="350000"/>
+              </a:schemeClr>
+            </a:gs>
+            <a:gs pos="40000">
+              <a:schemeClr val="phClr">
+                <a:tint val="45000"/>
+                <a:shade val="99000"/>
+                <a:satMod val="350000"/>
+              </a:schemeClr>
+            </a:gs>
+            <a:gs pos="100000">
+              <a:schemeClr val="phClr">
+                <a:shade val="20000"/>
+                <a:satMod val="255000"/>
+              </a:schemeClr>
+            </a:gs>
+          </a:gsLst>
+          <a:path path="circle">
+            <a:fillToRect l="50000" t="-80000" r="50000" b="180000"/>
+          </a:path>
+        </a:gradFill>
+        <a:gradFill rotWithShape="1">
+          <a:gsLst>
+            <a:gs pos="0">
+              <a:schemeClr val="phClr">
+                <a:tint val="80000"/>
+                <a:satMod val="300000"/>
+              </a:schemeClr>
+            </a:gs>
+            <a:gs pos="100000">
+              <a:schemeClr val="phClr">
+                <a:shade val="30000"/>
+                <a:satMod val="200000"/>
+              </a:schemeClr>
+            </a:gs>
+          </a:gsLst>
+          <a:path path="circle">
+            <a:fillToRect l="50000" t="50000" r="50000" b="50000"/>
+          </a:path>
+        </a:gradFill>
+      </a:bgFillStyleLst>
+    </a:fmtScheme>
+  </a:themeElements>
+</a:theme>
+</file>
+
+<file path=ppt/theme/theme2.xml><?xml version="1.0" encoding="utf-8"?>
 <a:theme xmlns:a="http://schemas.openxmlformats.org/drawingml/2006/main" xmlns:r="http://schemas.openxmlformats.org/officeDocument/2006/relationships" name="Office 테마">
   <a:themeElements>
     <a:clrScheme name="Office">
@@ -24282,283 +24683,4 @@
     </a:fmtScheme>
   </a:themeElements>
 </a:theme>
-</file>
-
-<file path=ppt/theme/theme2.xml><?xml version="1.0" encoding="utf-8"?>
-<a:theme xmlns:a="http://schemas.openxmlformats.org/drawingml/2006/main" xmlns:r="http://schemas.openxmlformats.org/officeDocument/2006/relationships">
-  <a:themeElements>
-    <a:clrScheme name="Default">
-      <a:dk1>
-        <a:srgbClr val="000000"/>
-      </a:dk1>
-      <a:lt1>
-        <a:srgbClr val="FFFFFF"/>
-      </a:lt1>
-      <a:dk2>
-        <a:srgbClr val="158158"/>
-      </a:dk2>
-      <a:lt2>
-        <a:srgbClr val="F3F3F3"/>
-      </a:lt2>
-      <a:accent1>
-        <a:srgbClr val="058DC7"/>
-      </a:accent1>
-      <a:accent2>
-        <a:srgbClr val="50B432"/>
-      </a:accent2>
-      <a:accent3>
-        <a:srgbClr val="ED561B"/>
-      </a:accent3>
-      <a:accent4>
-        <a:srgbClr val="EDEF00"/>
-      </a:accent4>
-      <a:accent5>
-        <a:srgbClr val="24CBE5"/>
-      </a:accent5>
-      <a:accent6>
-        <a:srgbClr val="64E572"/>
-      </a:accent6>
-      <a:hlink>
-        <a:srgbClr val="2200CC"/>
-      </a:hlink>
-      <a:folHlink>
-        <a:srgbClr val="551A8B"/>
-      </a:folHlink>
-    </a:clrScheme>
-    <a:fontScheme name="Office">
-      <a:majorFont>
-        <a:latin typeface="Arial"/>
-        <a:ea typeface=""/>
-        <a:cs typeface=""/>
-        <a:font script="Jpan" typeface="ＭＳ Ｐゴシック"/>
-        <a:font script="Hang" typeface="맑은 고딕"/>
-        <a:font script="Hans" typeface="宋体"/>
-        <a:font script="Hant" typeface="新細明體"/>
-        <a:font script="Arab" typeface="Times New Roman"/>
-        <a:font script="Hebr" typeface="Times New Roman"/>
-        <a:font script="Thai" typeface="Angsana New"/>
-        <a:font script="Ethi" typeface="Nyala"/>
-        <a:font script="Beng" typeface="Vrinda"/>
-        <a:font script="Gujr" typeface="Shruti"/>
-        <a:font script="Khmr" typeface="MoolBoran"/>
-        <a:font script="Knda" typeface="Tunga"/>
-        <a:font script="Guru" typeface="Raavi"/>
-        <a:font script="Cans" typeface="Euphemia"/>
-        <a:font script="Cher" typeface="Plantagenet Cherokee"/>
-        <a:font script="Yiii" typeface="Microsoft Yi Baiti"/>
-        <a:font script="Tibt" typeface="Microsoft Himalaya"/>
-        <a:font script="Thaa" typeface="MV Boli"/>
-        <a:font script="Deva" typeface="Mangal"/>
-        <a:font script="Telu" typeface="Gautami"/>
-        <a:font script="Taml" typeface="Latha"/>
-        <a:font script="Syrc" typeface="Estrangelo Edessa"/>
-        <a:font script="Orya" typeface="Kalinga"/>
-        <a:font script="Mlym" typeface="Kartika"/>
-        <a:font script="Laoo" typeface="DokChampa"/>
-        <a:font script="Sinh" typeface="Iskoola Pota"/>
-        <a:font script="Mong" typeface="Mongolian Baiti"/>
-        <a:font script="Viet" typeface="Times New Roman"/>
-        <a:font script="Uigh" typeface="Microsoft Uighur"/>
-        <a:font script="Geor" typeface="Sylfaen"/>
-      </a:majorFont>
-      <a:minorFont>
-        <a:latin typeface="Arial"/>
-        <a:ea typeface=""/>
-        <a:cs typeface=""/>
-        <a:font script="Jpan" typeface="ＭＳ Ｐゴシック"/>
-        <a:font script="Hang" typeface="맑은 고딕"/>
-        <a:font script="Hans" typeface="宋体"/>
-        <a:font script="Hant" typeface="新細明體"/>
-        <a:font script="Arab" typeface="Arial"/>
-        <a:font script="Hebr" typeface="Arial"/>
-        <a:font script="Thai" typeface="Cordia New"/>
-        <a:font script="Ethi" typeface="Nyala"/>
-        <a:font script="Beng" typeface="Vrinda"/>
-        <a:font script="Gujr" typeface="Shruti"/>
-        <a:font script="Khmr" typeface="DaunPenh"/>
-        <a:font script="Knda" typeface="Tunga"/>
-        <a:font script="Guru" typeface="Raavi"/>
-        <a:font script="Cans" typeface="Euphemia"/>
-        <a:font script="Cher" typeface="Plantagenet Cherokee"/>
-        <a:font script="Yiii" typeface="Microsoft Yi Baiti"/>
-        <a:font script="Tibt" typeface="Microsoft Himalaya"/>
-        <a:font script="Thaa" typeface="MV Boli"/>
-        <a:font script="Deva" typeface="Mangal"/>
-        <a:font script="Telu" typeface="Gautami"/>
-        <a:font script="Taml" typeface="Latha"/>
-        <a:font script="Syrc" typeface="Estrangelo Edessa"/>
-        <a:font script="Orya" typeface="Kalinga"/>
-        <a:font script="Mlym" typeface="Kartika"/>
-        <a:font script="Laoo" typeface="DokChampa"/>
-        <a:font script="Sinh" typeface="Iskoola Pota"/>
-        <a:font script="Mong" typeface="Mongolian Baiti"/>
-        <a:font script="Viet" typeface="Arial"/>
-        <a:font script="Uigh" typeface="Microsoft Uighur"/>
-        <a:font script="Geor" typeface="Sylfaen"/>
-      </a:minorFont>
-    </a:fontScheme>
-    <a:fmtScheme name="Office">
-      <a:fillStyleLst>
-        <a:solidFill>
-          <a:schemeClr val="phClr"/>
-        </a:solidFill>
-        <a:gradFill rotWithShape="1">
-          <a:gsLst>
-            <a:gs pos="0">
-              <a:schemeClr val="phClr">
-                <a:tint val="50000"/>
-                <a:satMod val="300000"/>
-              </a:schemeClr>
-            </a:gs>
-            <a:gs pos="35000">
-              <a:schemeClr val="phClr">
-                <a:tint val="37000"/>
-                <a:satMod val="300000"/>
-              </a:schemeClr>
-            </a:gs>
-            <a:gs pos="100000">
-              <a:schemeClr val="phClr">
-                <a:tint val="15000"/>
-                <a:satMod val="350000"/>
-              </a:schemeClr>
-            </a:gs>
-          </a:gsLst>
-          <a:lin ang="16200000" scaled="1"/>
-        </a:gradFill>
-        <a:gradFill rotWithShape="1">
-          <a:gsLst>
-            <a:gs pos="0">
-              <a:schemeClr val="phClr">
-                <a:tint val="100000"/>
-                <a:shade val="100000"/>
-                <a:satMod val="130000"/>
-              </a:schemeClr>
-            </a:gs>
-            <a:gs pos="100000">
-              <a:schemeClr val="phClr">
-                <a:tint val="50000"/>
-                <a:shade val="100000"/>
-                <a:satMod val="350000"/>
-              </a:schemeClr>
-            </a:gs>
-          </a:gsLst>
-          <a:lin ang="16200000" scaled="0"/>
-        </a:gradFill>
-      </a:fillStyleLst>
-      <a:lnStyleLst>
-        <a:ln w="9525" cap="flat" cmpd="sng" algn="ctr">
-          <a:solidFill>
-            <a:schemeClr val="phClr">
-              <a:shade val="95000"/>
-              <a:satMod val="105000"/>
-            </a:schemeClr>
-          </a:solidFill>
-          <a:prstDash val="solid"/>
-        </a:ln>
-        <a:ln w="25400" cap="flat" cmpd="sng" algn="ctr">
-          <a:solidFill>
-            <a:schemeClr val="phClr"/>
-          </a:solidFill>
-          <a:prstDash val="solid"/>
-        </a:ln>
-        <a:ln w="38100" cap="flat" cmpd="sng" algn="ctr">
-          <a:solidFill>
-            <a:schemeClr val="phClr"/>
-          </a:solidFill>
-          <a:prstDash val="solid"/>
-        </a:ln>
-      </a:lnStyleLst>
-      <a:effectStyleLst>
-        <a:effectStyle>
-          <a:effectLst>
-            <a:outerShdw blurRad="40000" dist="20000" dir="5400000" rotWithShape="0">
-              <a:srgbClr val="000000">
-                <a:alpha val="38000"/>
-              </a:srgbClr>
-            </a:outerShdw>
-          </a:effectLst>
-        </a:effectStyle>
-        <a:effectStyle>
-          <a:effectLst>
-            <a:outerShdw blurRad="40000" dist="23000" dir="5400000" rotWithShape="0">
-              <a:srgbClr val="000000">
-                <a:alpha val="35000"/>
-              </a:srgbClr>
-            </a:outerShdw>
-          </a:effectLst>
-        </a:effectStyle>
-        <a:effectStyle>
-          <a:effectLst>
-            <a:outerShdw blurRad="40000" dist="23000" dir="5400000" rotWithShape="0">
-              <a:srgbClr val="000000">
-                <a:alpha val="35000"/>
-              </a:srgbClr>
-            </a:outerShdw>
-          </a:effectLst>
-          <a:scene3d>
-            <a:camera prst="orthographicFront">
-              <a:rot lat="0" lon="0" rev="0"/>
-            </a:camera>
-            <a:lightRig rig="threePt" dir="t">
-              <a:rot lat="0" lon="0" rev="1200000"/>
-            </a:lightRig>
-          </a:scene3d>
-          <a:sp3d>
-            <a:bevelT w="63500" h="25400"/>
-          </a:sp3d>
-        </a:effectStyle>
-      </a:effectStyleLst>
-      <a:bgFillStyleLst>
-        <a:solidFill>
-          <a:schemeClr val="phClr"/>
-        </a:solidFill>
-        <a:gradFill rotWithShape="1">
-          <a:gsLst>
-            <a:gs pos="0">
-              <a:schemeClr val="phClr">
-                <a:tint val="40000"/>
-                <a:satMod val="350000"/>
-              </a:schemeClr>
-            </a:gs>
-            <a:gs pos="40000">
-              <a:schemeClr val="phClr">
-                <a:tint val="45000"/>
-                <a:shade val="99000"/>
-                <a:satMod val="350000"/>
-              </a:schemeClr>
-            </a:gs>
-            <a:gs pos="100000">
-              <a:schemeClr val="phClr">
-                <a:shade val="20000"/>
-                <a:satMod val="255000"/>
-              </a:schemeClr>
-            </a:gs>
-          </a:gsLst>
-          <a:path path="circle">
-            <a:fillToRect l="50000" t="-80000" r="50000" b="180000"/>
-          </a:path>
-        </a:gradFill>
-        <a:gradFill rotWithShape="1">
-          <a:gsLst>
-            <a:gs pos="0">
-              <a:schemeClr val="phClr">
-                <a:tint val="80000"/>
-                <a:satMod val="300000"/>
-              </a:schemeClr>
-            </a:gs>
-            <a:gs pos="100000">
-              <a:schemeClr val="phClr">
-                <a:shade val="30000"/>
-                <a:satMod val="200000"/>
-              </a:schemeClr>
-            </a:gs>
-          </a:gsLst>
-          <a:path path="circle">
-            <a:fillToRect l="50000" t="50000" r="50000" b="50000"/>
-          </a:path>
-        </a:gradFill>
-      </a:bgFillStyleLst>
-    </a:fmtScheme>
-  </a:themeElements>
-</a:theme>
 </file>